--- a/teaching/fvTheorySlides/Course-Intro.pptx
+++ b/teaching/fvTheorySlides/Course-Intro.pptx
@@ -1601,37 +1601,24 @@
           <a:lstStyle/>
           <a:p>
             <a:r>
-              <a:rPr lang="en-US" dirty="0">
+              <a:rPr lang="en-US" sz="3200" dirty="0">
                 <a:latin typeface="Cambria" panose="02040503050406030204" pitchFamily="18" charset="0"/>
                 <a:ea typeface="Cambria" panose="02040503050406030204" pitchFamily="18" charset="0"/>
               </a:rPr>
-              <a:t>Theory and Algorithms</a:t>
+              <a:t>Theory and Algorithms for Formal Verification</a:t>
             </a:r>
             <a:br>
-              <a:rPr lang="en-US" dirty="0">
+              <a:rPr lang="en-US" sz="3200" dirty="0">
                 <a:latin typeface="Cambria" panose="02040503050406030204" pitchFamily="18" charset="0"/>
                 <a:ea typeface="Cambria" panose="02040503050406030204" pitchFamily="18" charset="0"/>
               </a:rPr>
             </a:br>
             <a:r>
-              <a:rPr lang="en-US" dirty="0">
+              <a:rPr lang="en-US" sz="3200" dirty="0">
                 <a:latin typeface="Cambria" panose="02040503050406030204" pitchFamily="18" charset="0"/>
                 <a:ea typeface="Cambria" panose="02040503050406030204" pitchFamily="18" charset="0"/>
               </a:rPr>
-              <a:t>for</a:t>
-            </a:r>
-            <a:br>
-              <a:rPr lang="en-US" dirty="0">
-                <a:latin typeface="Cambria" panose="02040503050406030204" pitchFamily="18" charset="0"/>
-                <a:ea typeface="Cambria" panose="02040503050406030204" pitchFamily="18" charset="0"/>
-              </a:rPr>
-            </a:br>
-            <a:r>
-              <a:rPr lang="en-US" dirty="0">
-                <a:latin typeface="Cambria" panose="02040503050406030204" pitchFamily="18" charset="0"/>
-                <a:ea typeface="Cambria" panose="02040503050406030204" pitchFamily="18" charset="0"/>
-              </a:rPr>
-              <a:t>Formal Verification</a:t>
+              <a:t>Course Introduction</a:t>
             </a:r>
           </a:p>
         </p:txBody>

--- a/teaching/fvTheorySlides/Course-Intro.pptx
+++ b/teaching/fvTheorySlides/Course-Intro.pptx
@@ -216,7 +216,7 @@
           <a:p>
             <a:fld id="{6580C23F-98B7-41D4-A9FA-15A275A51486}" type="datetimeFigureOut">
               <a:rPr lang="en-US" smtClean="0"/>
-              <a:t>1/14/2022</a:t>
+              <a:t>1/8/2024</a:t>
             </a:fld>
             <a:endParaRPr lang="en-US"/>
           </a:p>
@@ -1653,7 +1653,7 @@
           <a:p>
             <a:r>
               <a:rPr lang="en-US" dirty="0"/>
-              <a:t>Spring 2022: CSCI 699</a:t>
+              <a:t>Spring 2024: CSCI 699</a:t>
             </a:r>
           </a:p>
           <a:p>
@@ -1796,6 +1796,12 @@
               <a:t>Safety: Is an NN-controlled dynamical system safe?</a:t>
             </a:r>
           </a:p>
+          <a:p>
+            <a:pPr marL="411480" lvl="1" indent="0">
+              <a:buNone/>
+            </a:pPr>
+            <a:endParaRPr lang="en-US" dirty="0"/>
+          </a:p>
         </p:txBody>
       </p:sp>
       <p:sp>
@@ -1916,7 +1922,7 @@
           <a:p>
             <a:r>
               <a:rPr lang="en-US" dirty="0"/>
-              <a:t>Given a set of high-level specifications* generate the correct-by-construction program that is guaranteed to satisfy the specs</a:t>
+              <a:t>Given a set of high-level specifications* automatically generate the program that is guaranteed to satisfy the specs</a:t>
             </a:r>
           </a:p>
           <a:p>
@@ -2265,7 +2271,7 @@
             <a:pPr lvl="1"/>
             <a:r>
               <a:rPr lang="en-US" dirty="0"/>
-              <a:t>More recently: Tesla car misidentifies a truck as the sky, Uber car fails to act in time to avoid fatal collision with pedestrian walking a bike, Boeing 787 MAX errors</a:t>
+              <a:t>More recently: Tesla car misidentifies a truck as the sky, Uber car fails to act in time to avoid fatal collision with pedestrian walking a bike, Boeing 787 MAX errors, Cruz vehicles failing to recognize emergency vehicles, …</a:t>
             </a:r>
           </a:p>
           <a:p>
@@ -2666,7 +2672,7 @@
           <a:p>
             <a:r>
               <a:rPr lang="en-US" dirty="0"/>
-              <a:t>There will be no programming assignments!</a:t>
+              <a:t>There will be no programming assignments*!</a:t>
             </a:r>
           </a:p>
           <a:p>
@@ -2685,37 +2691,41 @@
             <a:pPr marL="0" indent="0">
               <a:buNone/>
             </a:pPr>
-            <a:endParaRPr lang="en-US" dirty="0"/>
+            <a:r>
+              <a:rPr lang="en-US" dirty="0"/>
+              <a:t>That said …</a:t>
+            </a:r>
+          </a:p>
+          <a:p>
+            <a:r>
+              <a:rPr lang="en-US" dirty="0"/>
+              <a:t>You are encouraged to download and play with formal verification tools such as model checkers, theorem provers, SMT solvers, monitoring and specification tools</a:t>
+            </a:r>
+          </a:p>
+          <a:p>
+            <a:r>
+              <a:rPr lang="en-US" dirty="0"/>
+              <a:t>My personal conviction is that formal methods/verification can advance as a field only through well-engineered tools: it is important to build tools. </a:t>
+            </a:r>
+          </a:p>
+          <a:p>
+            <a:r>
+              <a:rPr lang="en-US" dirty="0"/>
+              <a:t>The purpose of this course: understanding the technology behind the tools.</a:t>
+            </a:r>
           </a:p>
           <a:p>
             <a:pPr marL="0" indent="0">
               <a:buNone/>
             </a:pPr>
             <a:r>
-              <a:rPr lang="en-US" dirty="0"/>
-              <a:t>That said …</a:t>
-            </a:r>
-          </a:p>
-          <a:p>
-            <a:r>
-              <a:rPr lang="en-US" dirty="0"/>
-              <a:t>You are encouraged to download and play with formal verification tools such as model checkers, theorem provers, SMT solvers, monitoring and specification tools</a:t>
-            </a:r>
-          </a:p>
-          <a:p>
-            <a:r>
-              <a:rPr lang="en-US" dirty="0"/>
-              <a:t>My personal conviction is that formal methods/verification can advance as a field only through well-engineered tools: it is important to build tools. </a:t>
-            </a:r>
-          </a:p>
-          <a:p>
-            <a:r>
-              <a:rPr lang="en-US" dirty="0"/>
-              <a:t>The purpose of this course: understanding the technology behind the tools.</a:t>
-            </a:r>
-          </a:p>
-          <a:p>
-            <a:endParaRPr lang="en-US" dirty="0"/>
+              <a:rPr lang="en-US" sz="1800" dirty="0">
+                <a:solidFill>
+                  <a:srgbClr val="FF0000"/>
+                </a:solidFill>
+              </a:rPr>
+              <a:t>* unless you really want one</a:t>
+            </a:r>
           </a:p>
           <a:p>
             <a:endParaRPr lang="en-US" dirty="0"/>
@@ -2832,7 +2842,7 @@
         <p:spPr/>
         <p:txBody>
           <a:bodyPr>
-            <a:normAutofit/>
+            <a:normAutofit lnSpcReduction="10000"/>
           </a:bodyPr>
           <a:lstStyle/>
           <a:p>
@@ -2867,7 +2877,7 @@
           <a:p>
             <a:pPr lvl="1"/>
             <a:r>
-              <a:rPr lang="en-US" sz="2000" b="0" i="0" dirty="0">
+              <a:rPr lang="en-US" b="0" i="0" dirty="0">
                 <a:solidFill>
                   <a:srgbClr val="000000"/>
                 </a:solidFill>
@@ -2912,7 +2922,21 @@
             <a:pPr lvl="1"/>
             <a:r>
               <a:rPr lang="en-US" dirty="0"/>
-              <a:t>Can work on homework in teams: collaborate if you desire</a:t>
+              <a:t>Can work on homework in teams: </a:t>
+            </a:r>
+          </a:p>
+          <a:p>
+            <a:pPr lvl="2"/>
+            <a:r>
+              <a:rPr lang="en-US" dirty="0"/>
+              <a:t>collaborate if you desire</a:t>
+            </a:r>
+          </a:p>
+          <a:p>
+            <a:pPr lvl="2"/>
+            <a:r>
+              <a:rPr lang="en-US" dirty="0"/>
+              <a:t>feel free to use LLMs</a:t>
             </a:r>
           </a:p>
           <a:p>
@@ -2923,16 +2947,10 @@
             </a:r>
           </a:p>
           <a:p>
-            <a:r>
-              <a:rPr lang="en-US" dirty="0"/>
-              <a:t>1 take-home final exam</a:t>
-            </a:r>
-          </a:p>
-          <a:p>
             <a:pPr lvl="1"/>
             <a:r>
               <a:rPr lang="en-US" dirty="0"/>
-              <a:t>Everyone takes their own exam</a:t>
+              <a:t>Peer-grading (you grade each others’ homework assignments)</a:t>
             </a:r>
           </a:p>
           <a:p>
@@ -3029,131 +3047,81 @@
           <a:chExt cx="0" cy="0"/>
         </a:xfrm>
       </p:grpSpPr>
-      <mc:AlternateContent xmlns:mc="http://schemas.openxmlformats.org/markup-compatibility/2006">
-        <mc:Choice xmlns:a14="http://schemas.microsoft.com/office/drawing/2010/main" Requires="a14">
-          <p:sp>
-            <p:nvSpPr>
-              <p:cNvPr id="2" name="Content Placeholder 1">
-                <a:extLst>
-                  <a:ext uri="{FF2B5EF4-FFF2-40B4-BE49-F238E27FC236}">
-                    <a16:creationId xmlns:a16="http://schemas.microsoft.com/office/drawing/2014/main" id="{64D00D0A-4979-4AC0-BED0-244DFC8B999F}"/>
-                  </a:ext>
-                </a:extLst>
-              </p:cNvPr>
-              <p:cNvSpPr>
-                <a:spLocks noGrp="1"/>
-              </p:cNvSpPr>
-              <p:nvPr>
-                <p:ph idx="1"/>
-              </p:nvPr>
-            </p:nvSpPr>
-            <p:spPr/>
-            <p:txBody>
-              <a:bodyPr/>
-              <a:lstStyle/>
-              <a:p>
-                <a:r>
-                  <a:rPr lang="en-US" dirty="0"/>
-                  <a:t>20% per homework </a:t>
-                </a:r>
-                <a14:m>
-                  <m:oMath xmlns:m="http://schemas.openxmlformats.org/officeDocument/2006/math">
-                    <m:r>
-                      <a:rPr lang="en-US" b="0" i="1" smtClean="0">
-                        <a:latin typeface="Cambria Math" panose="02040503050406030204" pitchFamily="18" charset="0"/>
-                      </a:rPr>
-                      <m:t>×</m:t>
-                    </m:r>
-                  </m:oMath>
-                </a14:m>
-                <a:r>
-                  <a:rPr lang="en-US" dirty="0"/>
-                  <a:t> 4 + 20% for finals</a:t>
-                </a:r>
-              </a:p>
-              <a:p>
-                <a:endParaRPr lang="en-US" dirty="0"/>
-              </a:p>
-              <a:p>
-                <a:r>
-                  <a:rPr lang="en-US" dirty="0"/>
-                  <a:t>Grades depend on</a:t>
-                </a:r>
-              </a:p>
-              <a:p>
-                <a:pPr lvl="1"/>
-                <a:r>
-                  <a:rPr lang="en-US" dirty="0"/>
-                  <a:t>Correctness of proofs/algorithms</a:t>
-                </a:r>
-              </a:p>
-              <a:p>
-                <a:pPr lvl="1"/>
-                <a:r>
-                  <a:rPr lang="en-US" dirty="0"/>
-                  <a:t>Partial credit galore if your proof/algorithm is hunting in the right area</a:t>
-                </a:r>
-              </a:p>
-              <a:p>
-                <a:pPr lvl="1"/>
-                <a:r>
-                  <a:rPr lang="en-US" dirty="0"/>
-                  <a:t>Extra credit for elegance</a:t>
-                </a:r>
-              </a:p>
-              <a:p>
-                <a:pPr marL="0" indent="0">
-                  <a:buNone/>
-                </a:pPr>
-                <a:endParaRPr lang="en-US" dirty="0"/>
-              </a:p>
-              <a:p>
-                <a:pPr lvl="1"/>
-                <a:endParaRPr lang="en-US" dirty="0"/>
-              </a:p>
-            </p:txBody>
-          </p:sp>
-        </mc:Choice>
-        <mc:Fallback>
-          <p:sp>
-            <p:nvSpPr>
-              <p:cNvPr id="2" name="Content Placeholder 1">
-                <a:extLst>
-                  <a:ext uri="{FF2B5EF4-FFF2-40B4-BE49-F238E27FC236}">
-                    <a16:creationId xmlns:a16="http://schemas.microsoft.com/office/drawing/2014/main" id="{64D00D0A-4979-4AC0-BED0-244DFC8B999F}"/>
-                  </a:ext>
-                </a:extLst>
-              </p:cNvPr>
-              <p:cNvSpPr>
-                <a:spLocks noGrp="1" noRot="1" noChangeAspect="1" noMove="1" noResize="1" noEditPoints="1" noAdjustHandles="1" noChangeArrowheads="1" noChangeShapeType="1" noTextEdit="1"/>
-              </p:cNvSpPr>
-              <p:nvPr>
-                <p:ph idx="1"/>
-              </p:nvPr>
-            </p:nvSpPr>
-            <p:spPr>
-              <a:blipFill>
-                <a:blip r:embed="rId2"/>
-                <a:stretch>
-                  <a:fillRect l="-521" t="-2078"/>
-                </a:stretch>
-              </a:blipFill>
-            </p:spPr>
-            <p:txBody>
-              <a:bodyPr/>
-              <a:lstStyle/>
-              <a:p>
-                <a:r>
-                  <a:rPr lang="en-US">
-                    <a:noFill/>
-                  </a:rPr>
-                  <a:t> </a:t>
-                </a:r>
-              </a:p>
-            </p:txBody>
-          </p:sp>
-        </mc:Fallback>
-      </mc:AlternateContent>
+      <p:sp>
+        <p:nvSpPr>
+          <p:cNvPr id="2" name="Content Placeholder 1">
+            <a:extLst>
+              <a:ext uri="{FF2B5EF4-FFF2-40B4-BE49-F238E27FC236}">
+                <a16:creationId xmlns:a16="http://schemas.microsoft.com/office/drawing/2014/main" id="{64D00D0A-4979-4AC0-BED0-244DFC8B999F}"/>
+              </a:ext>
+            </a:extLst>
+          </p:cNvPr>
+          <p:cNvSpPr>
+            <a:spLocks noGrp="1"/>
+          </p:cNvSpPr>
+          <p:nvPr>
+            <p:ph idx="1"/>
+          </p:nvPr>
+        </p:nvSpPr>
+        <p:spPr/>
+        <p:txBody>
+          <a:bodyPr/>
+          <a:lstStyle/>
+          <a:p>
+            <a:r>
+              <a:rPr lang="en-US" dirty="0"/>
+              <a:t>25% per homework</a:t>
+            </a:r>
+          </a:p>
+          <a:p>
+            <a:pPr lvl="1"/>
+            <a:r>
+              <a:rPr lang="en-US" dirty="0"/>
+              <a:t>Final homework during exam week </a:t>
+            </a:r>
+          </a:p>
+          <a:p>
+            <a:endParaRPr lang="en-US" dirty="0"/>
+          </a:p>
+          <a:p>
+            <a:r>
+              <a:rPr lang="en-US" dirty="0"/>
+              <a:t>Grades should depend on</a:t>
+            </a:r>
+          </a:p>
+          <a:p>
+            <a:pPr lvl="1"/>
+            <a:r>
+              <a:rPr lang="en-US" dirty="0"/>
+              <a:t>Correctness of proofs/algorithms</a:t>
+            </a:r>
+          </a:p>
+          <a:p>
+            <a:pPr lvl="1"/>
+            <a:r>
+              <a:rPr lang="en-US" dirty="0"/>
+              <a:t>Partial credit galore if your proof/algorithm is hunting in the right area</a:t>
+            </a:r>
+          </a:p>
+          <a:p>
+            <a:pPr lvl="1"/>
+            <a:r>
+              <a:rPr lang="en-US" dirty="0"/>
+              <a:t>Extra credit for elegance</a:t>
+            </a:r>
+          </a:p>
+          <a:p>
+            <a:pPr marL="0" indent="0">
+              <a:buNone/>
+            </a:pPr>
+            <a:endParaRPr lang="en-US" dirty="0"/>
+          </a:p>
+          <a:p>
+            <a:pPr lvl="1"/>
+            <a:endParaRPr lang="en-US" dirty="0"/>
+          </a:p>
+        </p:txBody>
+      </p:sp>
       <p:sp>
         <p:nvSpPr>
           <p:cNvPr id="3" name="Title 2">
@@ -3265,7 +3233,7 @@
           <a:p>
             <a:r>
               <a:rPr lang="en-US" dirty="0"/>
-              <a:t>Fridays 11am-12pm + by appointment</a:t>
+              <a:t>By appointment</a:t>
             </a:r>
           </a:p>
           <a:p>
@@ -3840,8 +3808,8 @@
           <a:chExt cx="0" cy="0"/>
         </a:xfrm>
       </p:grpSpPr>
-      <mc:AlternateContent xmlns:mc="http://schemas.openxmlformats.org/markup-compatibility/2006" xmlns:a14="http://schemas.microsoft.com/office/drawing/2010/main">
-        <mc:Choice Requires="a14">
+      <mc:AlternateContent xmlns:mc="http://schemas.openxmlformats.org/markup-compatibility/2006">
+        <mc:Choice xmlns:a14="http://schemas.microsoft.com/office/drawing/2010/main" Requires="a14">
           <p:sp>
             <p:nvSpPr>
               <p:cNvPr id="2" name="Content Placeholder 1">
@@ -3900,7 +3868,7 @@
                 <a:pPr lvl="1"/>
                 <a:r>
                   <a:rPr lang="en-US" sz="2000" i="1" dirty="0"/>
-                  <a:t>“The circuit implements matrix multiplication using floating point precision arithmetic.”</a:t>
+                  <a:t>“This hardware circuit implements matrix multiplication using floating point precision arithmetic.”</a:t>
                 </a:r>
               </a:p>
               <a:p>
@@ -3969,7 +3937,7 @@
             </p:txBody>
           </p:sp>
         </mc:Choice>
-        <mc:Fallback xmlns="">
+        <mc:Fallback>
           <p:sp>
             <p:nvSpPr>
               <p:cNvPr id="2" name="Content Placeholder 1">
@@ -4101,8 +4069,8 @@
           <a:chExt cx="0" cy="0"/>
         </a:xfrm>
       </p:grpSpPr>
-      <mc:AlternateContent xmlns:mc="http://schemas.openxmlformats.org/markup-compatibility/2006">
-        <mc:Choice xmlns:a14="http://schemas.microsoft.com/office/drawing/2010/main" Requires="a14">
+      <mc:AlternateContent xmlns:mc="http://schemas.openxmlformats.org/markup-compatibility/2006" xmlns:a14="http://schemas.microsoft.com/office/drawing/2010/main">
+        <mc:Choice Requires="a14">
           <p:sp>
             <p:nvSpPr>
               <p:cNvPr id="2" name="Content Placeholder 1">
@@ -4244,7 +4212,7 @@
             </p:txBody>
           </p:sp>
         </mc:Choice>
-        <mc:Fallback>
+        <mc:Fallback xmlns="">
           <p:sp>
             <p:nvSpPr>
               <p:cNvPr id="2" name="Content Placeholder 1">

--- a/teaching/fvTheorySlides/Course-Intro.pptx
+++ b/teaching/fvTheorySlides/Course-Intro.pptx
@@ -5,7 +5,7 @@
     <p:sldMasterId id="2147483648" r:id="rId1"/>
   </p:sldMasterIdLst>
   <p:notesMasterIdLst>
-    <p:notesMasterId r:id="rId22"/>
+    <p:notesMasterId r:id="rId23"/>
   </p:notesMasterIdLst>
   <p:sldIdLst>
     <p:sldId id="256" r:id="rId2"/>
@@ -26,8 +26,9 @@
     <p:sldId id="297" r:id="rId17"/>
     <p:sldId id="288" r:id="rId18"/>
     <p:sldId id="299" r:id="rId19"/>
-    <p:sldId id="289" r:id="rId20"/>
-    <p:sldId id="273" r:id="rId21"/>
+    <p:sldId id="300" r:id="rId20"/>
+    <p:sldId id="289" r:id="rId21"/>
+    <p:sldId id="273" r:id="rId22"/>
   </p:sldIdLst>
   <p:sldSz cx="12192000" cy="6858000"/>
   <p:notesSz cx="6858000" cy="9144000"/>
@@ -216,7 +217,7 @@
           <a:p>
             <a:fld id="{6580C23F-98B7-41D4-A9FA-15A275A51486}" type="datetimeFigureOut">
               <a:rPr lang="en-US" smtClean="0"/>
-              <a:t>1/8/2024</a:t>
+              <a:t>1/10/2026</a:t>
             </a:fld>
             <a:endParaRPr lang="en-US"/>
           </a:p>
@@ -1605,20 +1606,7 @@
                 <a:latin typeface="Cambria" panose="02040503050406030204" pitchFamily="18" charset="0"/>
                 <a:ea typeface="Cambria" panose="02040503050406030204" pitchFamily="18" charset="0"/>
               </a:rPr>
-              <a:t>Theory and Algorithms for Formal Verification</a:t>
-            </a:r>
-            <a:br>
-              <a:rPr lang="en-US" sz="3200" dirty="0">
-                <a:latin typeface="Cambria" panose="02040503050406030204" pitchFamily="18" charset="0"/>
-                <a:ea typeface="Cambria" panose="02040503050406030204" pitchFamily="18" charset="0"/>
-              </a:rPr>
-            </a:br>
-            <a:r>
-              <a:rPr lang="en-US" sz="3200" dirty="0">
-                <a:latin typeface="Cambria" panose="02040503050406030204" pitchFamily="18" charset="0"/>
-                <a:ea typeface="Cambria" panose="02040503050406030204" pitchFamily="18" charset="0"/>
-              </a:rPr>
-              <a:t>Course Introduction</a:t>
+              <a:t>Automata Theory, Logic, and Formal Verification</a:t>
             </a:r>
           </a:p>
         </p:txBody>
@@ -1653,7 +1641,7 @@
           <a:p>
             <a:r>
               <a:rPr lang="en-US" dirty="0"/>
-              <a:t>Spring 2024: CSCI 699</a:t>
+              <a:t>Spring 2026: CSCI 624</a:t>
             </a:r>
           </a:p>
           <a:p>
@@ -1716,7 +1704,7 @@
 </file>
 
 <file path=ppt/slides/slide10.xml><?xml version="1.0" encoding="utf-8"?>
-<p:sld xmlns:a="http://schemas.openxmlformats.org/drawingml/2006/main" xmlns:r="http://schemas.openxmlformats.org/officeDocument/2006/relationships" xmlns:p="http://schemas.openxmlformats.org/presentationml/2006/main">
+<p:sld xmlns:a="http://schemas.openxmlformats.org/drawingml/2006/main" xmlns:r="http://schemas.openxmlformats.org/officeDocument/2006/relationships" xmlns:p="http://schemas.openxmlformats.org/presentationml/2006/main" show="0">
   <p:cSld>
     <p:spTree>
       <p:nvGrpSpPr>
@@ -2088,12 +2076,6 @@
           <a:p>
             <a:r>
               <a:rPr lang="en-US" dirty="0"/>
-              <a:t>Algorithms for deductive verification</a:t>
-            </a:r>
-          </a:p>
-          <a:p>
-            <a:r>
-              <a:rPr lang="en-US" dirty="0"/>
               <a:t>Modeling programs as transition systems</a:t>
             </a:r>
           </a:p>
@@ -2110,6 +2092,13 @@
             </a:r>
           </a:p>
           <a:p>
+            <a:pPr lvl="1"/>
+            <a:r>
+              <a:rPr lang="en-US" dirty="0"/>
+              <a:t>Connections with first-order logic and monadic second order logic</a:t>
+            </a:r>
+          </a:p>
+          <a:p>
             <a:r>
               <a:rPr lang="en-US" dirty="0"/>
               <a:t>Techniques to make verification scalable</a:t>
@@ -2128,12 +2117,9 @@
             </a:r>
           </a:p>
           <a:p>
-            <a:r>
-              <a:rPr lang="en-US" dirty="0"/>
-              <a:t>New research on neural network verification</a:t>
-            </a:r>
-          </a:p>
-          <a:p>
+            <a:pPr marL="0" indent="0">
+              <a:buNone/>
+            </a:pPr>
             <a:endParaRPr lang="en-US" dirty="0"/>
           </a:p>
         </p:txBody>
@@ -2387,7 +2373,12 @@
             <p:ph idx="1"/>
           </p:nvPr>
         </p:nvSpPr>
-        <p:spPr/>
+        <p:spPr>
+          <a:xfrm>
+            <a:off x="166681" y="988141"/>
+            <a:ext cx="11699087" cy="5197506"/>
+          </a:xfrm>
+        </p:spPr>
         <p:txBody>
           <a:bodyPr>
             <a:normAutofit/>
@@ -2442,7 +2433,7 @@
             <a:pPr lvl="1"/>
             <a:r>
               <a:rPr lang="en-US" sz="1800" dirty="0"/>
-              <a:t>Amazon has a world class formal verification group that uses TLA+ model checker and other tools to verify various distributed systems aspects (esp. in AWS)</a:t>
+              <a:t>Amazon has a world class formal verification group that uses TLA+ model checker and other tools to verify various cloud services aspects (esp. the Autonomous Reasoning Group in AWS)</a:t>
             </a:r>
           </a:p>
           <a:p>
@@ -2450,6 +2441,13 @@
             <a:r>
               <a:rPr lang="en-US" sz="1800" dirty="0"/>
               <a:t>Microsoft Research has a strong rigorous software engineering group responsible for fundamental advances in theory and tools for formal verification</a:t>
+            </a:r>
+          </a:p>
+          <a:p>
+            <a:pPr lvl="1"/>
+            <a:r>
+              <a:rPr lang="en-US" sz="1800" dirty="0"/>
+              <a:t>Several chip designers and EDA companies have historically had formal methods groups</a:t>
             </a:r>
           </a:p>
           <a:p>
@@ -2522,7 +2520,7 @@
               <a:pPr/>
               <a:t>14</a:t>
             </a:fld>
-            <a:endParaRPr lang="en-US"/>
+            <a:endParaRPr lang="en-US" dirty="0"/>
           </a:p>
         </p:txBody>
       </p:sp>
@@ -2666,7 +2664,7 @@
         <p:spPr/>
         <p:txBody>
           <a:bodyPr>
-            <a:normAutofit lnSpcReduction="10000"/>
+            <a:normAutofit fontScale="92500"/>
           </a:bodyPr>
           <a:lstStyle/>
           <a:p>
@@ -2685,6 +2683,13 @@
             <a:r>
               <a:rPr lang="en-US" dirty="0"/>
               <a:t>I will give guidance and help with proof techniques, formalizing problems, etc.</a:t>
+            </a:r>
+          </a:p>
+          <a:p>
+            <a:pPr lvl="1"/>
+            <a:r>
+              <a:rPr lang="en-US" dirty="0"/>
+              <a:t>Or you will teach me new tricks, gadgets, proof strategies</a:t>
             </a:r>
           </a:p>
           <a:p>
@@ -2758,7 +2763,15 @@
           <a:p>
             <a:r>
               <a:rPr lang="en-US" dirty="0"/>
-              <a:t>This is a theory course!</a:t>
+              <a:t>This is a theory-</a:t>
+            </a:r>
+            <a:r>
+              <a:rPr lang="en-US" dirty="0" err="1"/>
+              <a:t>ish</a:t>
+            </a:r>
+            <a:r>
+              <a:rPr lang="en-US" dirty="0"/>
+              <a:t> course!</a:t>
             </a:r>
           </a:p>
         </p:txBody>
@@ -2949,9 +2962,25 @@
           <a:p>
             <a:pPr lvl="1"/>
             <a:r>
+              <a:rPr lang="en-US" i="1" dirty="0"/>
+              <a:t>Instructor-guided</a:t>
+            </a:r>
+            <a:r>
+              <a:rPr lang="en-US" i="1" baseline="30000" dirty="0"/>
+              <a:t>1</a:t>
+            </a:r>
+            <a:r>
+              <a:rPr lang="en-US" i="1" dirty="0"/>
+              <a:t> </a:t>
+            </a:r>
+            <a:r>
               <a:rPr lang="en-US" dirty="0"/>
               <a:t>Peer-grading (you grade each others’ homework assignments)</a:t>
             </a:r>
+          </a:p>
+          <a:p>
+            <a:pPr lvl="2"/>
+            <a:endParaRPr lang="en-US" dirty="0"/>
           </a:p>
           <a:p>
             <a:pPr lvl="1"/>
@@ -3014,6 +3043,41 @@
               <a:t>17</a:t>
             </a:fld>
             <a:endParaRPr lang="en-US"/>
+          </a:p>
+        </p:txBody>
+      </p:sp>
+      <p:sp>
+        <p:nvSpPr>
+          <p:cNvPr id="5" name="TextBox 4">
+            <a:extLst>
+              <a:ext uri="{FF2B5EF4-FFF2-40B4-BE49-F238E27FC236}">
+                <a16:creationId xmlns:a16="http://schemas.microsoft.com/office/drawing/2014/main" id="{3C74FFA1-A83D-29A7-387A-DA8A6B9AFDA6}"/>
+              </a:ext>
+            </a:extLst>
+          </p:cNvPr>
+          <p:cNvSpPr txBox="1"/>
+          <p:nvPr/>
+        </p:nvSpPr>
+        <p:spPr>
+          <a:xfrm>
+            <a:off x="2698375" y="6196331"/>
+            <a:ext cx="7933765" cy="369332"/>
+          </a:xfrm>
+          <a:prstGeom prst="rect">
+            <a:avLst/>
+          </a:prstGeom>
+          <a:noFill/>
+        </p:spPr>
+        <p:txBody>
+          <a:bodyPr wrap="square" rtlCol="0">
+            <a:spAutoFit/>
+          </a:bodyPr>
+          <a:lstStyle/>
+          <a:p>
+            <a:r>
+              <a:rPr lang="en-US" dirty="0"/>
+              <a:t>[1] With a liberal interpretation of the word guidance.</a:t>
+            </a:r>
           </a:p>
         </p:txBody>
       </p:sp>
@@ -3065,23 +3129,41 @@
         </p:nvSpPr>
         <p:spPr/>
         <p:txBody>
-          <a:bodyPr/>
-          <a:lstStyle/>
-          <a:p>
-            <a:r>
-              <a:rPr lang="en-US" dirty="0"/>
-              <a:t>25% per homework</a:t>
+          <a:bodyPr>
+            <a:normAutofit/>
+          </a:bodyPr>
+          <a:lstStyle/>
+          <a:p>
+            <a:r>
+              <a:rPr lang="en-US" dirty="0"/>
+              <a:t>Homework assignment 1 and 3 is 15% each</a:t>
+            </a:r>
+          </a:p>
+          <a:p>
+            <a:r>
+              <a:rPr lang="en-US" dirty="0"/>
+              <a:t>Homework assignment 2 and 4 is 20% each</a:t>
+            </a:r>
+          </a:p>
+          <a:p>
+            <a:r>
+              <a:rPr lang="en-US" dirty="0"/>
+              <a:t>I am required to have a project for this class</a:t>
             </a:r>
           </a:p>
           <a:p>
             <a:pPr lvl="1"/>
             <a:r>
               <a:rPr lang="en-US" dirty="0"/>
-              <a:t>Final homework during exam week </a:t>
-            </a:r>
-          </a:p>
-          <a:p>
-            <a:endParaRPr lang="en-US" dirty="0"/>
+              <a:t>Project is 30% (let’s do a 5% presentation and 25% report grade)</a:t>
+            </a:r>
+          </a:p>
+          <a:p>
+            <a:pPr lvl="1"/>
+            <a:r>
+              <a:rPr lang="en-US" dirty="0"/>
+              <a:t>Can be anything loosely related to this class that you intend to submit to a good conference</a:t>
+            </a:r>
           </a:p>
           <a:p>
             <a:r>
@@ -3215,7 +3297,7 @@
           <p:cNvPr id="2" name="Content Placeholder 1">
             <a:extLst>
               <a:ext uri="{FF2B5EF4-FFF2-40B4-BE49-F238E27FC236}">
-                <a16:creationId xmlns:a16="http://schemas.microsoft.com/office/drawing/2014/main" id="{B9F50352-FD90-462F-98F9-B36513C67A94}"/>
+                <a16:creationId xmlns:a16="http://schemas.microsoft.com/office/drawing/2014/main" id="{88E5F84D-00BF-885C-A49A-11B54B4534AA}"/>
               </a:ext>
             </a:extLst>
           </p:cNvPr>
@@ -3226,6 +3308,116 @@
             <p:ph idx="1"/>
           </p:nvPr>
         </p:nvSpPr>
+        <p:spPr>
+          <a:xfrm>
+            <a:off x="166681" y="988141"/>
+            <a:ext cx="11699087" cy="5018212"/>
+          </a:xfrm>
+        </p:spPr>
+        <p:txBody>
+          <a:bodyPr/>
+          <a:lstStyle/>
+          <a:p>
+            <a:r>
+              <a:rPr lang="en-US" dirty="0"/>
+              <a:t>I will email PDFs of the papers a week or two weeks in advance</a:t>
+            </a:r>
+          </a:p>
+          <a:p>
+            <a:r>
+              <a:rPr lang="en-US" dirty="0"/>
+              <a:t>If you can read thoroughly</a:t>
+            </a:r>
+          </a:p>
+          <a:p>
+            <a:pPr lvl="1"/>
+            <a:r>
+              <a:rPr lang="en-US" dirty="0"/>
+              <a:t>Take notes, try to prove things yourself</a:t>
+            </a:r>
+          </a:p>
+          <a:p>
+            <a:pPr lvl="1"/>
+            <a:r>
+              <a:rPr lang="en-US" dirty="0"/>
+              <a:t>Note some smart trick or gadget used in a tricky proof</a:t>
+            </a:r>
+          </a:p>
+          <a:p>
+            <a:r>
+              <a:rPr lang="en-US" dirty="0"/>
+              <a:t>Else If you can read the intro and browse through main results</a:t>
+            </a:r>
+          </a:p>
+          <a:p>
+            <a:pPr lvl="1"/>
+            <a:r>
+              <a:rPr lang="en-US" dirty="0"/>
+              <a:t>Ponder about the bigger picture of the paper</a:t>
+            </a:r>
+          </a:p>
+          <a:p>
+            <a:r>
+              <a:rPr lang="en-US" dirty="0"/>
+              <a:t>Else </a:t>
+            </a:r>
+          </a:p>
+          <a:p>
+            <a:pPr lvl="1"/>
+            <a:r>
+              <a:rPr lang="en-US" dirty="0"/>
+              <a:t>Ask </a:t>
+            </a:r>
+            <a:r>
+              <a:rPr lang="en-US" dirty="0" err="1"/>
+              <a:t>ChatGPT</a:t>
+            </a:r>
+            <a:r>
+              <a:rPr lang="en-US" dirty="0"/>
+              <a:t> or your favorite LLM to summarize the paper for you, read the summary. Use nice prompts like, </a:t>
+            </a:r>
+          </a:p>
+          <a:p>
+            <a:pPr lvl="2"/>
+            <a:r>
+              <a:rPr lang="en-US" dirty="0"/>
+              <a:t>“Why is proving Theorem 2 difficult,” “Why is assumption &lt;blah&gt; needed,” “Why was this considered novel when it came out,” “How have people improved this?” </a:t>
+            </a:r>
+          </a:p>
+          <a:p>
+            <a:endParaRPr lang="en-US" dirty="0"/>
+          </a:p>
+          <a:p>
+            <a:pPr lvl="1"/>
+            <a:endParaRPr lang="en-US" dirty="0"/>
+          </a:p>
+          <a:p>
+            <a:endParaRPr lang="en-US" dirty="0"/>
+          </a:p>
+          <a:p>
+            <a:endParaRPr lang="en-US" dirty="0"/>
+          </a:p>
+          <a:p>
+            <a:endParaRPr lang="en-US" dirty="0"/>
+          </a:p>
+        </p:txBody>
+      </p:sp>
+      <p:sp>
+        <p:nvSpPr>
+          <p:cNvPr id="3" name="Title 2">
+            <a:extLst>
+              <a:ext uri="{FF2B5EF4-FFF2-40B4-BE49-F238E27FC236}">
+                <a16:creationId xmlns:a16="http://schemas.microsoft.com/office/drawing/2014/main" id="{F65F1DB7-F7A9-814F-1EDB-27C02AAC5593}"/>
+              </a:ext>
+            </a:extLst>
+          </p:cNvPr>
+          <p:cNvSpPr>
+            <a:spLocks noGrp="1"/>
+          </p:cNvSpPr>
+          <p:nvPr>
+            <p:ph type="title"/>
+          </p:nvPr>
+        </p:nvSpPr>
         <p:spPr/>
         <p:txBody>
           <a:bodyPr/>
@@ -3233,48 +3425,7 @@
           <a:p>
             <a:r>
               <a:rPr lang="en-US" dirty="0"/>
-              <a:t>By appointment</a:t>
-            </a:r>
-          </a:p>
-          <a:p>
-            <a:endParaRPr lang="en-US" dirty="0"/>
-          </a:p>
-          <a:p>
-            <a:r>
-              <a:rPr lang="en-US" dirty="0" err="1"/>
-              <a:t>Jyo’s</a:t>
-            </a:r>
-            <a:r>
-              <a:rPr lang="en-US" dirty="0"/>
-              <a:t> office: SAL 340</a:t>
-            </a:r>
-          </a:p>
-        </p:txBody>
-      </p:sp>
-      <p:sp>
-        <p:nvSpPr>
-          <p:cNvPr id="3" name="Title 2">
-            <a:extLst>
-              <a:ext uri="{FF2B5EF4-FFF2-40B4-BE49-F238E27FC236}">
-                <a16:creationId xmlns:a16="http://schemas.microsoft.com/office/drawing/2014/main" id="{E72F87FA-0D56-498D-BD77-43A41303238D}"/>
-              </a:ext>
-            </a:extLst>
-          </p:cNvPr>
-          <p:cNvSpPr>
-            <a:spLocks noGrp="1"/>
-          </p:cNvSpPr>
-          <p:nvPr>
-            <p:ph type="title"/>
-          </p:nvPr>
-        </p:nvSpPr>
-        <p:spPr/>
-        <p:txBody>
-          <a:bodyPr/>
-          <a:lstStyle/>
-          <a:p>
-            <a:r>
-              <a:rPr lang="en-US" dirty="0"/>
-              <a:t>Office hours</a:t>
+              <a:t>Reading materials</a:t>
             </a:r>
           </a:p>
         </p:txBody>
@@ -3284,7 +3435,7 @@
           <p:cNvPr id="4" name="Slide Number Placeholder 3">
             <a:extLst>
               <a:ext uri="{FF2B5EF4-FFF2-40B4-BE49-F238E27FC236}">
-                <a16:creationId xmlns:a16="http://schemas.microsoft.com/office/drawing/2014/main" id="{5781C50E-4F2F-4DAB-94BE-A33FA39C54E5}"/>
+                <a16:creationId xmlns:a16="http://schemas.microsoft.com/office/drawing/2014/main" id="{0B1E4049-77F9-B616-83BB-6506F127C3C6}"/>
               </a:ext>
             </a:extLst>
           </p:cNvPr>
@@ -3312,7 +3463,7 @@
     </p:spTree>
     <p:extLst>
       <p:ext uri="{BB962C8B-B14F-4D97-AF65-F5344CB8AC3E}">
-        <p14:creationId xmlns:p14="http://schemas.microsoft.com/office/powerpoint/2010/main" val="428301523"/>
+        <p14:creationId xmlns:p14="http://schemas.microsoft.com/office/powerpoint/2010/main" val="3720294964"/>
       </p:ext>
     </p:extLst>
   </p:cSld>
@@ -3526,6 +3677,135 @@
           <p:cNvPr id="2" name="Content Placeholder 1">
             <a:extLst>
               <a:ext uri="{FF2B5EF4-FFF2-40B4-BE49-F238E27FC236}">
+                <a16:creationId xmlns:a16="http://schemas.microsoft.com/office/drawing/2014/main" id="{B9F50352-FD90-462F-98F9-B36513C67A94}"/>
+              </a:ext>
+            </a:extLst>
+          </p:cNvPr>
+          <p:cNvSpPr>
+            <a:spLocks noGrp="1"/>
+          </p:cNvSpPr>
+          <p:nvPr>
+            <p:ph idx="1"/>
+          </p:nvPr>
+        </p:nvSpPr>
+        <p:spPr/>
+        <p:txBody>
+          <a:bodyPr/>
+          <a:lstStyle/>
+          <a:p>
+            <a:r>
+              <a:rPr lang="en-US" dirty="0"/>
+              <a:t>By appointment</a:t>
+            </a:r>
+          </a:p>
+          <a:p>
+            <a:endParaRPr lang="en-US" dirty="0"/>
+          </a:p>
+          <a:p>
+            <a:r>
+              <a:rPr lang="en-US" dirty="0" err="1"/>
+              <a:t>Jyo’s</a:t>
+            </a:r>
+            <a:r>
+              <a:rPr lang="en-US" dirty="0"/>
+              <a:t> office: GCS 202P</a:t>
+            </a:r>
+          </a:p>
+        </p:txBody>
+      </p:sp>
+      <p:sp>
+        <p:nvSpPr>
+          <p:cNvPr id="3" name="Title 2">
+            <a:extLst>
+              <a:ext uri="{FF2B5EF4-FFF2-40B4-BE49-F238E27FC236}">
+                <a16:creationId xmlns:a16="http://schemas.microsoft.com/office/drawing/2014/main" id="{E72F87FA-0D56-498D-BD77-43A41303238D}"/>
+              </a:ext>
+            </a:extLst>
+          </p:cNvPr>
+          <p:cNvSpPr>
+            <a:spLocks noGrp="1"/>
+          </p:cNvSpPr>
+          <p:nvPr>
+            <p:ph type="title"/>
+          </p:nvPr>
+        </p:nvSpPr>
+        <p:spPr/>
+        <p:txBody>
+          <a:bodyPr/>
+          <a:lstStyle/>
+          <a:p>
+            <a:r>
+              <a:rPr lang="en-US" dirty="0"/>
+              <a:t>Office hours</a:t>
+            </a:r>
+          </a:p>
+        </p:txBody>
+      </p:sp>
+      <p:sp>
+        <p:nvSpPr>
+          <p:cNvPr id="4" name="Slide Number Placeholder 3">
+            <a:extLst>
+              <a:ext uri="{FF2B5EF4-FFF2-40B4-BE49-F238E27FC236}">
+                <a16:creationId xmlns:a16="http://schemas.microsoft.com/office/drawing/2014/main" id="{5781C50E-4F2F-4DAB-94BE-A33FA39C54E5}"/>
+              </a:ext>
+            </a:extLst>
+          </p:cNvPr>
+          <p:cNvSpPr>
+            <a:spLocks noGrp="1"/>
+          </p:cNvSpPr>
+          <p:nvPr>
+            <p:ph type="sldNum" sz="quarter" idx="12"/>
+          </p:nvPr>
+        </p:nvSpPr>
+        <p:spPr/>
+        <p:txBody>
+          <a:bodyPr/>
+          <a:lstStyle/>
+          <a:p>
+            <a:fld id="{29AAD378-655A-49C6-813C-9FD132EF7440}" type="slidenum">
+              <a:rPr lang="en-US" smtClean="0"/>
+              <a:pPr/>
+              <a:t>20</a:t>
+            </a:fld>
+            <a:endParaRPr lang="en-US"/>
+          </a:p>
+        </p:txBody>
+      </p:sp>
+    </p:spTree>
+    <p:extLst>
+      <p:ext uri="{BB962C8B-B14F-4D97-AF65-F5344CB8AC3E}">
+        <p14:creationId xmlns:p14="http://schemas.microsoft.com/office/powerpoint/2010/main" val="428301523"/>
+      </p:ext>
+    </p:extLst>
+  </p:cSld>
+  <p:clrMapOvr>
+    <a:masterClrMapping/>
+  </p:clrMapOvr>
+</p:sld>
+</file>
+
+<file path=ppt/slides/slide21.xml><?xml version="1.0" encoding="utf-8"?>
+<p:sld xmlns:a="http://schemas.openxmlformats.org/drawingml/2006/main" xmlns:r="http://schemas.openxmlformats.org/officeDocument/2006/relationships" xmlns:p="http://schemas.openxmlformats.org/presentationml/2006/main">
+  <p:cSld>
+    <p:spTree>
+      <p:nvGrpSpPr>
+        <p:cNvPr id="1" name=""/>
+        <p:cNvGrpSpPr/>
+        <p:nvPr/>
+      </p:nvGrpSpPr>
+      <p:grpSpPr>
+        <a:xfrm>
+          <a:off x="0" y="0"/>
+          <a:ext cx="0" cy="0"/>
+          <a:chOff x="0" y="0"/>
+          <a:chExt cx="0" cy="0"/>
+        </a:xfrm>
+      </p:grpSpPr>
+      <p:sp>
+        <p:nvSpPr>
+          <p:cNvPr id="2" name="Content Placeholder 1">
+            <a:extLst>
+              <a:ext uri="{FF2B5EF4-FFF2-40B4-BE49-F238E27FC236}">
                 <a16:creationId xmlns:a16="http://schemas.microsoft.com/office/drawing/2014/main" id="{9954D691-68EF-47DE-8BEC-E55529033932}"/>
               </a:ext>
             </a:extLst>
@@ -3594,7 +3874,7 @@
             <a:fld id="{29AAD378-655A-49C6-813C-9FD132EF7440}" type="slidenum">
               <a:rPr lang="en-US" smtClean="0"/>
               <a:pPr/>
-              <a:t>20</a:t>
+              <a:t>21</a:t>
             </a:fld>
             <a:endParaRPr lang="en-US"/>
           </a:p>
@@ -3808,8 +4088,8 @@
           <a:chExt cx="0" cy="0"/>
         </a:xfrm>
       </p:grpSpPr>
-      <mc:AlternateContent xmlns:mc="http://schemas.openxmlformats.org/markup-compatibility/2006">
-        <mc:Choice xmlns:a14="http://schemas.microsoft.com/office/drawing/2010/main" Requires="a14">
+      <mc:AlternateContent xmlns:mc="http://schemas.openxmlformats.org/markup-compatibility/2006" xmlns:a14="http://schemas.microsoft.com/office/drawing/2010/main">
+        <mc:Choice Requires="a14">
           <p:sp>
             <p:nvSpPr>
               <p:cNvPr id="2" name="Content Placeholder 1">
@@ -3937,7 +4217,7 @@
             </p:txBody>
           </p:sp>
         </mc:Choice>
-        <mc:Fallback>
+        <mc:Fallback xmlns="">
           <p:sp>
             <p:nvSpPr>
               <p:cNvPr id="2" name="Content Placeholder 1">
@@ -4069,8 +4349,8 @@
           <a:chExt cx="0" cy="0"/>
         </a:xfrm>
       </p:grpSpPr>
-      <mc:AlternateContent xmlns:mc="http://schemas.openxmlformats.org/markup-compatibility/2006" xmlns:a14="http://schemas.microsoft.com/office/drawing/2010/main">
-        <mc:Choice Requires="a14">
+      <mc:AlternateContent xmlns:mc="http://schemas.openxmlformats.org/markup-compatibility/2006">
+        <mc:Choice xmlns:a14="http://schemas.microsoft.com/office/drawing/2010/main" Requires="a14">
           <p:sp>
             <p:nvSpPr>
               <p:cNvPr id="2" name="Content Placeholder 1">
@@ -4089,7 +4369,7 @@
             </p:nvSpPr>
             <p:spPr>
               <a:xfrm>
-                <a:off x="166681" y="1555101"/>
+                <a:off x="166681" y="1160654"/>
                 <a:ext cx="11699087" cy="4372947"/>
               </a:xfrm>
             </p:spPr>
@@ -4212,7 +4492,7 @@
             </p:txBody>
           </p:sp>
         </mc:Choice>
-        <mc:Fallback xmlns="">
+        <mc:Fallback>
           <p:sp>
             <p:nvSpPr>
               <p:cNvPr id="2" name="Content Placeholder 1">
@@ -4231,13 +4511,13 @@
             </p:nvSpPr>
             <p:spPr>
               <a:xfrm>
-                <a:off x="166681" y="1555101"/>
+                <a:off x="166681" y="1160654"/>
                 <a:ext cx="11699087" cy="4372947"/>
               </a:xfrm>
               <a:blipFill>
                 <a:blip r:embed="rId2"/>
                 <a:stretch>
-                  <a:fillRect l="-417" t="-1953" r="-677" b="-2789"/>
+                  <a:fillRect l="-417" t="-1950" r="-677" b="-2646"/>
                 </a:stretch>
               </a:blipFill>
             </p:spPr>
@@ -4692,7 +4972,7 @@
           <a:p>
             <a:r>
               <a:rPr lang="en-US" dirty="0"/>
-              <a:t>We can model the physical components being controlled by software using dynamical equations (ODEs, PDEs, DAEs, difference equations), and use CPS verification techniques to check the above specification.</a:t>
+              <a:t>We can model the physical components being controlled by software using dynamical equations (ODEs, PDEs, DAEs, difference equations) and use CPS verification techniques to check the above specification.</a:t>
             </a:r>
           </a:p>
         </p:txBody>
@@ -4833,7 +5113,7 @@
             </a:r>
             <a:r>
               <a:rPr lang="en-US" dirty="0"/>
-              <a:t>” is a specification that we may never be able to prove because the self-driving car is designed with certain rational assumptions on other cars. What guarantees can we give if other cars are homicidal?</a:t>
+              <a:t>” is a specification that we may never be able to prove because the self-driving car is designed with certain rational assumptions on other cars. What guarantees can we give if other cars are homicidal, perception fails to recognize a pedestrian, or there is a sudden blizzard blinding all sensors?</a:t>
             </a:r>
           </a:p>
           <a:p>
